--- a/ciao/画图.pptx
+++ b/ciao/画图.pptx
@@ -11,11 +11,12 @@
     <p:sldId id="260" r:id="rId6"/>
     <p:sldId id="261" r:id="rId7"/>
     <p:sldId id="262" r:id="rId8"/>
+    <p:sldId id="263" r:id="rId9"/>
   </p:sldIdLst>
   <p:sldSz cx="12192000" cy="6858000"/>
   <p:notesSz cx="6858000" cy="9144000"/>
   <p:custDataLst>
-    <p:tags r:id="rId12"/>
+    <p:tags r:id="rId13"/>
   </p:custDataLst>
   <p:defaultTextStyle>
     <a:defPPr>
@@ -112,6 +113,22 @@
       </a:defRPr>
     </a:lvl9pPr>
   </p:defaultTextStyle>
+  <p:extLst>
+    <p:ext uri="{EFAFB233-063F-42B5-8137-9DF3F51BA10A}">
+      <p15:sldGuideLst xmlns:p15="http://schemas.microsoft.com/office/powerpoint/2012/main">
+        <p15:guide id="1" orient="horz" pos="2159" userDrawn="1">
+          <p15:clr>
+            <a:srgbClr val="A4A3A4"/>
+          </p15:clr>
+        </p15:guide>
+        <p15:guide id="2" pos="3840" userDrawn="1">
+          <p15:clr>
+            <a:srgbClr val="A4A3A4"/>
+          </p15:clr>
+        </p15:guide>
+      </p15:sldGuideLst>
+    </p:ext>
+  </p:extLst>
 </p:presentation>
 </file>
 
@@ -3891,6 +3908,329 @@
 </p:sld>
 </file>
 
+<file path=ppt/slides/slide7.xml><?xml version="1.0" encoding="utf-8"?>
+<p:sld xmlns:a="http://schemas.openxmlformats.org/drawingml/2006/main" xmlns:r="http://schemas.openxmlformats.org/officeDocument/2006/relationships" xmlns:p="http://schemas.openxmlformats.org/presentationml/2006/main">
+  <p:cSld>
+    <p:spTree>
+      <p:nvGrpSpPr>
+        <p:cNvPr id="1" name=""/>
+        <p:cNvGrpSpPr/>
+        <p:nvPr/>
+      </p:nvGrpSpPr>
+      <p:grpSpPr/>
+      <p:sp>
+        <p:nvSpPr>
+          <p:cNvPr id="2" name="标题 1"/>
+          <p:cNvSpPr>
+            <a:spLocks noGrp="1"/>
+          </p:cNvSpPr>
+          <p:nvPr>
+            <p:ph type="title"/>
+          </p:nvPr>
+        </p:nvSpPr>
+        <p:spPr/>
+        <p:txBody>
+          <a:bodyPr/>
+          <a:p>
+            <a:endParaRPr lang="zh-CN" altLang="en-US"/>
+          </a:p>
+        </p:txBody>
+      </p:sp>
+      <p:pic>
+        <p:nvPicPr>
+          <p:cNvPr id="4" name="内容占位符 3" descr="温度采集上位机前面板"/>
+          <p:cNvPicPr>
+            <a:picLocks noChangeAspect="1"/>
+          </p:cNvPicPr>
+          <p:nvPr>
+            <p:ph idx="1"/>
+            <p:custDataLst>
+              <p:tags r:id="rId1"/>
+            </p:custDataLst>
+          </p:nvPr>
+        </p:nvPicPr>
+        <p:blipFill>
+          <a:blip r:embed="rId2"/>
+          <a:stretch>
+            <a:fillRect/>
+          </a:stretch>
+        </p:blipFill>
+        <p:spPr>
+          <a:xfrm>
+            <a:off x="1754505" y="1490345"/>
+            <a:ext cx="8675370" cy="4759325"/>
+          </a:xfrm>
+          <a:prstGeom prst="rect">
+            <a:avLst/>
+          </a:prstGeom>
+        </p:spPr>
+      </p:pic>
+      <p:sp>
+        <p:nvSpPr>
+          <p:cNvPr id="5" name="矩形 4"/>
+          <p:cNvSpPr/>
+          <p:nvPr/>
+        </p:nvSpPr>
+        <p:spPr>
+          <a:xfrm>
+            <a:off x="2980055" y="2412365"/>
+            <a:ext cx="7449820" cy="3796030"/>
+          </a:xfrm>
+          <a:prstGeom prst="rect">
+            <a:avLst/>
+          </a:prstGeom>
+          <a:noFill/>
+          <a:ln w="31750" cmpd="sng">
+            <a:solidFill>
+              <a:srgbClr val="FF0000"/>
+            </a:solidFill>
+            <a:prstDash val="solid"/>
+          </a:ln>
+        </p:spPr>
+        <p:style>
+          <a:lnRef idx="2">
+            <a:schemeClr val="accent1">
+              <a:shade val="50000"/>
+            </a:schemeClr>
+          </a:lnRef>
+          <a:fillRef idx="1">
+            <a:schemeClr val="accent1"/>
+          </a:fillRef>
+          <a:effectRef idx="0">
+            <a:schemeClr val="accent1"/>
+          </a:effectRef>
+          <a:fontRef idx="minor">
+            <a:schemeClr val="lt1"/>
+          </a:fontRef>
+        </p:style>
+        <p:txBody>
+          <a:bodyPr rtlCol="0" anchor="ctr"/>
+          <a:p>
+            <a:pPr algn="ctr"/>
+            <a:endParaRPr lang="zh-CN" altLang="en-US"/>
+          </a:p>
+        </p:txBody>
+      </p:sp>
+      <p:sp>
+        <p:nvSpPr>
+          <p:cNvPr id="6" name="矩形 5"/>
+          <p:cNvSpPr/>
+          <p:nvPr/>
+        </p:nvSpPr>
+        <p:spPr>
+          <a:xfrm>
+            <a:off x="1754505" y="2406015"/>
+            <a:ext cx="1121410" cy="3796030"/>
+          </a:xfrm>
+          <a:prstGeom prst="rect">
+            <a:avLst/>
+          </a:prstGeom>
+          <a:noFill/>
+          <a:ln w="31750" cmpd="sng">
+            <a:solidFill>
+              <a:srgbClr val="FF0000"/>
+            </a:solidFill>
+            <a:prstDash val="solid"/>
+          </a:ln>
+        </p:spPr>
+        <p:style>
+          <a:lnRef idx="2">
+            <a:schemeClr val="accent1">
+              <a:shade val="50000"/>
+            </a:schemeClr>
+          </a:lnRef>
+          <a:fillRef idx="1">
+            <a:schemeClr val="accent1"/>
+          </a:fillRef>
+          <a:effectRef idx="0">
+            <a:schemeClr val="accent1"/>
+          </a:effectRef>
+          <a:fontRef idx="minor">
+            <a:schemeClr val="lt1"/>
+          </a:fontRef>
+        </p:style>
+        <p:txBody>
+          <a:bodyPr rtlCol="0" anchor="ctr"/>
+          <a:p>
+            <a:pPr algn="ctr"/>
+            <a:endParaRPr lang="zh-CN" altLang="en-US"/>
+          </a:p>
+        </p:txBody>
+      </p:sp>
+      <p:sp>
+        <p:nvSpPr>
+          <p:cNvPr id="7" name="文本框 6"/>
+          <p:cNvSpPr txBox="1"/>
+          <p:nvPr/>
+        </p:nvSpPr>
+        <p:spPr>
+          <a:xfrm>
+            <a:off x="9286875" y="2037715"/>
+            <a:ext cx="911225" cy="368300"/>
+          </a:xfrm>
+          <a:prstGeom prst="rect">
+            <a:avLst/>
+          </a:prstGeom>
+          <a:noFill/>
+        </p:spPr>
+        <p:txBody>
+          <a:bodyPr wrap="square" rtlCol="0">
+            <a:spAutoFit/>
+          </a:bodyPr>
+          <a:p>
+            <a:r>
+              <a:rPr lang="zh-CN" altLang="en-US"/>
+              <a:t>显示区</a:t>
+            </a:r>
+            <a:endParaRPr lang="zh-CN" altLang="en-US"/>
+          </a:p>
+        </p:txBody>
+      </p:sp>
+      <p:sp>
+        <p:nvSpPr>
+          <p:cNvPr id="8" name="文本框 7"/>
+          <p:cNvSpPr txBox="1"/>
+          <p:nvPr/>
+        </p:nvSpPr>
+        <p:spPr>
+          <a:xfrm>
+            <a:off x="1964690" y="2037715"/>
+            <a:ext cx="911225" cy="368300"/>
+          </a:xfrm>
+          <a:prstGeom prst="rect">
+            <a:avLst/>
+          </a:prstGeom>
+          <a:noFill/>
+        </p:spPr>
+        <p:txBody>
+          <a:bodyPr wrap="square" rtlCol="0">
+            <a:spAutoFit/>
+          </a:bodyPr>
+          <a:p>
+            <a:r>
+              <a:rPr lang="zh-CN" altLang="en-US"/>
+              <a:t>配置区</a:t>
+            </a:r>
+            <a:endParaRPr lang="zh-CN" altLang="en-US"/>
+          </a:p>
+        </p:txBody>
+      </p:sp>
+      <p:pic>
+        <p:nvPicPr>
+          <p:cNvPr id="3" name="图片 2" descr="实验系统图-带外壳干涉仪"/>
+          <p:cNvPicPr>
+            <a:picLocks noChangeAspect="1"/>
+          </p:cNvPicPr>
+          <p:nvPr>
+            <p:custDataLst>
+              <p:tags r:id="rId3"/>
+            </p:custDataLst>
+          </p:nvPr>
+        </p:nvPicPr>
+        <p:blipFill>
+          <a:blip r:embed="rId4"/>
+          <a:stretch>
+            <a:fillRect/>
+          </a:stretch>
+        </p:blipFill>
+        <p:spPr>
+          <a:xfrm>
+            <a:off x="3343275" y="1452245"/>
+            <a:ext cx="5505450" cy="3952875"/>
+          </a:xfrm>
+          <a:prstGeom prst="rect">
+            <a:avLst/>
+          </a:prstGeom>
+        </p:spPr>
+      </p:pic>
+      <p:sp>
+        <p:nvSpPr>
+          <p:cNvPr id="9" name="文本框 8"/>
+          <p:cNvSpPr txBox="1"/>
+          <p:nvPr/>
+        </p:nvSpPr>
+        <p:spPr>
+          <a:xfrm>
+            <a:off x="5953125" y="1576705"/>
+            <a:ext cx="894715" cy="368300"/>
+          </a:xfrm>
+          <a:prstGeom prst="rect">
+            <a:avLst/>
+          </a:prstGeom>
+          <a:solidFill>
+            <a:schemeClr val="accent1">
+              <a:lumMod val="40000"/>
+              <a:lumOff val="60000"/>
+            </a:schemeClr>
+          </a:solidFill>
+        </p:spPr>
+        <p:txBody>
+          <a:bodyPr wrap="square" rtlCol="0">
+            <a:spAutoFit/>
+          </a:bodyPr>
+          <a:p>
+            <a:r>
+              <a:rPr lang="zh-CN" altLang="en-US">
+                <a:latin typeface="宋体" panose="02010600030101010101" pitchFamily="2" charset="-122"/>
+                <a:ea typeface="宋体" panose="02010600030101010101" pitchFamily="2" charset="-122"/>
+              </a:rPr>
+              <a:t>干涉仪</a:t>
+            </a:r>
+            <a:endParaRPr lang="zh-CN" altLang="en-US">
+              <a:latin typeface="宋体" panose="02010600030101010101" pitchFamily="2" charset="-122"/>
+              <a:ea typeface="宋体" panose="02010600030101010101" pitchFamily="2" charset="-122"/>
+            </a:endParaRPr>
+          </a:p>
+        </p:txBody>
+      </p:sp>
+      <p:cxnSp>
+        <p:nvCxnSpPr>
+          <p:cNvPr id="10" name="直接箭头连接符 9"/>
+          <p:cNvCxnSpPr/>
+          <p:nvPr/>
+        </p:nvCxnSpPr>
+        <p:spPr>
+          <a:xfrm>
+            <a:off x="5410200" y="1703705"/>
+            <a:ext cx="419100" cy="0"/>
+          </a:xfrm>
+          <a:prstGeom prst="straightConnector1">
+            <a:avLst/>
+          </a:prstGeom>
+          <a:ln w="28575" cmpd="sng">
+            <a:solidFill>
+              <a:srgbClr val="FF0000"/>
+            </a:solidFill>
+            <a:prstDash val="solid"/>
+            <a:tailEnd type="arrow"/>
+          </a:ln>
+        </p:spPr>
+        <p:style>
+          <a:lnRef idx="1">
+            <a:schemeClr val="accent1"/>
+          </a:lnRef>
+          <a:fillRef idx="0">
+            <a:schemeClr val="accent1"/>
+          </a:fillRef>
+          <a:effectRef idx="0">
+            <a:schemeClr val="accent1"/>
+          </a:effectRef>
+          <a:fontRef idx="minor">
+            <a:schemeClr val="tx1"/>
+          </a:fontRef>
+        </p:style>
+      </p:cxnSp>
+    </p:spTree>
+    <p:custDataLst>
+      <p:tags r:id="rId5"/>
+    </p:custDataLst>
+  </p:cSld>
+  <p:clrMapOvr>
+    <a:masterClrMapping/>
+  </p:clrMapOvr>
+</p:sld>
+</file>
+
 <file path=ppt/tags/tag1.xml><?xml version="1.0" encoding="utf-8"?>
 <p:tagLst xmlns:p="http://schemas.openxmlformats.org/presentationml/2006/main">
   <p:tag name="KSO_WM_UNIT_HIGHLIGHT" val="0"/>
@@ -4796,6 +5136,26 @@
 </file>
 
 <file path=ppt/tags/tag73.xml><?xml version="1.0" encoding="utf-8"?>
+<p:tagLst xmlns:p="http://schemas.openxmlformats.org/presentationml/2006/main">
+  <p:tag name="KSO_WM_UNIT_PLACING_PICTURE_USER_VIEWPORT" val="{&quot;height&quot;:7495,&quot;width&quot;:13662}"/>
+</p:tagLst>
+</file>
+
+<file path=ppt/tags/tag74.xml><?xml version="1.0" encoding="utf-8"?>
+<p:tagLst xmlns:p="http://schemas.openxmlformats.org/presentationml/2006/main">
+  <p:tag name="KSO_WM_UNIT_PLACING_PICTURE_USER_VIEWPORT" val="{&quot;height&quot;:6225,&quot;width&quot;:8670}"/>
+</p:tagLst>
+</file>
+
+<file path=ppt/tags/tag75.xml><?xml version="1.0" encoding="utf-8"?>
+<p:tagLst xmlns:p="http://schemas.openxmlformats.org/presentationml/2006/main">
+  <p:tag name="KSO_WM_BEAUTIFY_FLAG" val="#wm#"/>
+  <p:tag name="KSO_WM_TEMPLATE_CATEGORY" val="custom"/>
+  <p:tag name="KSO_WM_TEMPLATE_INDEX" val="20205176"/>
+</p:tagLst>
+</file>
+
+<file path=ppt/tags/tag76.xml><?xml version="1.0" encoding="utf-8"?>
 <p:tagLst xmlns:p="http://schemas.openxmlformats.org/presentationml/2006/main">
   <p:tag name="KSO_WPP_MARK_KEY" val="9ff0428b-04cd-42bd-9b67-0277bfe06b18"/>
   <p:tag name="COMMONDATA" val="eyJoZGlkIjoiZTdiN2MxNWVmY2E2ZmNkN2Q3MGRkOGRlNTc1OGNjYzcifQ=="/>
